--- a/Slides/PythonArcadeStep4AddGravity.pptx
+++ b/Slides/PythonArcadeStep4AddGravity.pptx
@@ -241,7 +241,7 @@
           <a:p>
             <a:fld id="{095922B8-2402-4D07-8CC1-A7973D5DEA1D}" type="datetimeFigureOut">
               <a:rPr lang="en-US" smtClean="0"/>
-              <a:t>08-Apr-21</a:t>
+              <a:t>10-Apr-21</a:t>
             </a:fld>
             <a:endParaRPr lang="en-US"/>
           </a:p>
@@ -822,7 +822,7 @@
           <a:p>
             <a:fld id="{E2BFE950-A675-4D2F-BC24-F20C16678C63}" type="datetimeFigureOut">
               <a:rPr lang="en-US" smtClean="0"/>
-              <a:t>08-Apr-21</a:t>
+              <a:t>10-Apr-21</a:t>
             </a:fld>
             <a:endParaRPr lang="en-US"/>
           </a:p>
@@ -1125,7 +1125,7 @@
           <a:p>
             <a:fld id="{E2BFE950-A675-4D2F-BC24-F20C16678C63}" type="datetimeFigureOut">
               <a:rPr lang="en-US" smtClean="0"/>
-              <a:t>08-Apr-21</a:t>
+              <a:t>10-Apr-21</a:t>
             </a:fld>
             <a:endParaRPr lang="en-US"/>
           </a:p>
@@ -1294,7 +1294,7 @@
           <a:p>
             <a:fld id="{E2BFE950-A675-4D2F-BC24-F20C16678C63}" type="datetimeFigureOut">
               <a:rPr lang="en-US" smtClean="0"/>
-              <a:t>08-Apr-21</a:t>
+              <a:t>10-Apr-21</a:t>
             </a:fld>
             <a:endParaRPr lang="en-US"/>
           </a:p>
@@ -1468,7 +1468,7 @@
           <a:p>
             <a:fld id="{E2BFE950-A675-4D2F-BC24-F20C16678C63}" type="datetimeFigureOut">
               <a:rPr lang="en-US" smtClean="0"/>
-              <a:t>08-Apr-21</a:t>
+              <a:t>10-Apr-21</a:t>
             </a:fld>
             <a:endParaRPr lang="en-US"/>
           </a:p>
@@ -1631,7 +1631,7 @@
           <a:p>
             <a:fld id="{E2BFE950-A675-4D2F-BC24-F20C16678C63}" type="datetimeFigureOut">
               <a:rPr lang="en-US" smtClean="0"/>
-              <a:t>08-Apr-21</a:t>
+              <a:t>10-Apr-21</a:t>
             </a:fld>
             <a:endParaRPr lang="en-US"/>
           </a:p>
@@ -1804,7 +1804,7 @@
           <a:p>
             <a:fld id="{E2BFE950-A675-4D2F-BC24-F20C16678C63}" type="datetimeFigureOut">
               <a:rPr lang="en-US" smtClean="0"/>
-              <a:t>08-Apr-21</a:t>
+              <a:t>10-Apr-21</a:t>
             </a:fld>
             <a:endParaRPr lang="en-US"/>
           </a:p>
@@ -2093,7 +2093,7 @@
           <a:p>
             <a:fld id="{E2BFE950-A675-4D2F-BC24-F20C16678C63}" type="datetimeFigureOut">
               <a:rPr lang="en-US" smtClean="0"/>
-              <a:t>08-Apr-21</a:t>
+              <a:t>10-Apr-21</a:t>
             </a:fld>
             <a:endParaRPr lang="en-US"/>
           </a:p>
@@ -2417,7 +2417,7 @@
           <a:p>
             <a:fld id="{E2BFE950-A675-4D2F-BC24-F20C16678C63}" type="datetimeFigureOut">
               <a:rPr lang="en-US" smtClean="0"/>
-              <a:t>08-Apr-21</a:t>
+              <a:t>10-Apr-21</a:t>
             </a:fld>
             <a:endParaRPr lang="en-US"/>
           </a:p>
@@ -2841,7 +2841,7 @@
           <a:p>
             <a:fld id="{E2BFE950-A675-4D2F-BC24-F20C16678C63}" type="datetimeFigureOut">
               <a:rPr lang="en-US" smtClean="0"/>
-              <a:t>08-Apr-21</a:t>
+              <a:t>10-Apr-21</a:t>
             </a:fld>
             <a:endParaRPr lang="en-US"/>
           </a:p>
@@ -3014,7 +3014,7 @@
           <a:p>
             <a:fld id="{E2BFE950-A675-4D2F-BC24-F20C16678C63}" type="datetimeFigureOut">
               <a:rPr lang="en-US" smtClean="0"/>
-              <a:t>08-Apr-21</a:t>
+              <a:t>10-Apr-21</a:t>
             </a:fld>
             <a:endParaRPr lang="en-US"/>
           </a:p>
@@ -3104,7 +3104,7 @@
           <a:p>
             <a:fld id="{E2BFE950-A675-4D2F-BC24-F20C16678C63}" type="datetimeFigureOut">
               <a:rPr lang="en-US" smtClean="0"/>
-              <a:t>08-Apr-21</a:t>
+              <a:t>10-Apr-21</a:t>
             </a:fld>
             <a:endParaRPr lang="en-US"/>
           </a:p>
@@ -3383,7 +3383,7 @@
           <a:p>
             <a:fld id="{E2BFE950-A675-4D2F-BC24-F20C16678C63}" type="datetimeFigureOut">
               <a:rPr lang="en-US" smtClean="0"/>
-              <a:t>08-Apr-21</a:t>
+              <a:t>10-Apr-21</a:t>
             </a:fld>
             <a:endParaRPr lang="en-US"/>
           </a:p>
@@ -3630,7 +3630,7 @@
           <a:p>
             <a:fld id="{E2BFE950-A675-4D2F-BC24-F20C16678C63}" type="datetimeFigureOut">
               <a:rPr lang="en-US" smtClean="0"/>
-              <a:t>08-Apr-21</a:t>
+              <a:t>10-Apr-21</a:t>
             </a:fld>
             <a:endParaRPr lang="en-US"/>
           </a:p>
@@ -4216,9 +4216,10 @@
           <a:lstStyle/>
           <a:p>
             <a:r>
-              <a:rPr lang="en-US" dirty="0"/>
-              <a:t>Instructor: Rob Garner</a:t>
-            </a:r>
+              <a:rPr lang="en-US"/>
+              <a:t>Instructor: Rob Garner (rgarner7@cnm.edu)</a:t>
+            </a:r>
+            <a:endParaRPr lang="en-US" dirty="0"/>
           </a:p>
         </p:txBody>
       </p:sp>
